--- a/켄들스틱 차트.pptx
+++ b/켄들스틱 차트.pptx
@@ -11,6 +11,7 @@
     <p:sldId id="263" r:id="rId5"/>
     <p:sldId id="264" r:id="rId6"/>
     <p:sldId id="265" r:id="rId7"/>
+    <p:sldId id="267" r:id="rId8"/>
   </p:sldIdLst>
   <p:sldSz cx="12192000" cy="6858000"/>
   <p:notesSz cx="6858000" cy="9144000"/>
@@ -3197,15 +3198,7 @@
                 <a:ea typeface="Arial Black" charset="0"/>
                 <a:cs typeface="Arial Black" charset="0"/>
               </a:rPr>
-              <a:t>Candlestick </a:t>
-            </a:r>
-            <a:r>
-              <a:rPr lang="en-US" sz="6700" dirty="0" smtClean="0">
-                <a:latin typeface="Arial Black" charset="0"/>
-                <a:ea typeface="Arial Black" charset="0"/>
-                <a:cs typeface="Arial Black" charset="0"/>
-              </a:rPr>
-              <a:t>Chart</a:t>
+              <a:t>Candlestick Chart</a:t>
             </a:r>
             <a:br>
               <a:rPr lang="en-US" sz="6700" dirty="0" smtClean="0">
@@ -3639,6 +3632,159 @@
 </p:sld>
 </file>
 
+<file path=ppt/slides/slide7.xml><?xml version="1.0" encoding="utf-8"?>
+<p:sld xmlns:a="http://schemas.openxmlformats.org/drawingml/2006/main" xmlns:r="http://schemas.openxmlformats.org/officeDocument/2006/relationships" xmlns:p="http://schemas.openxmlformats.org/presentationml/2006/main">
+  <p:cSld>
+    <p:spTree>
+      <p:nvGrpSpPr>
+        <p:cNvPr id="1" name=""/>
+        <p:cNvGrpSpPr/>
+        <p:nvPr/>
+      </p:nvGrpSpPr>
+      <p:grpSpPr>
+        <a:xfrm>
+          <a:off x="0" y="0"/>
+          <a:ext cx="0" cy="0"/>
+          <a:chOff x="0" y="0"/>
+          <a:chExt cx="0" cy="0"/>
+        </a:xfrm>
+      </p:grpSpPr>
+      <p:sp>
+        <p:nvSpPr>
+          <p:cNvPr id="2" name="Title 1"/>
+          <p:cNvSpPr>
+            <a:spLocks noGrp="1"/>
+          </p:cNvSpPr>
+          <p:nvPr>
+            <p:ph type="title"/>
+          </p:nvPr>
+        </p:nvSpPr>
+        <p:spPr/>
+        <p:txBody>
+          <a:bodyPr>
+            <a:normAutofit/>
+          </a:bodyPr>
+          <a:lstStyle/>
+          <a:p>
+            <a:r>
+              <a:rPr lang="en-US" sz="4000" dirty="0" smtClean="0">
+                <a:latin typeface="Arial Black" charset="0"/>
+                <a:ea typeface="Arial Black" charset="0"/>
+                <a:cs typeface="Arial Black" charset="0"/>
+              </a:rPr>
+              <a:t>Reference</a:t>
+            </a:r>
+            <a:endParaRPr lang="en-US" sz="4000" dirty="0">
+              <a:latin typeface="Arial Black" charset="0"/>
+              <a:ea typeface="Arial Black" charset="0"/>
+              <a:cs typeface="Arial Black" charset="0"/>
+            </a:endParaRPr>
+          </a:p>
+        </p:txBody>
+      </p:sp>
+      <p:sp>
+        <p:nvSpPr>
+          <p:cNvPr id="3" name="Content Placeholder 2"/>
+          <p:cNvSpPr>
+            <a:spLocks noGrp="1"/>
+          </p:cNvSpPr>
+          <p:nvPr>
+            <p:ph idx="1"/>
+          </p:nvPr>
+        </p:nvSpPr>
+        <p:spPr/>
+        <p:txBody>
+          <a:bodyPr>
+            <a:normAutofit/>
+          </a:bodyPr>
+          <a:lstStyle/>
+          <a:p>
+            <a:r>
+              <a:rPr lang="en-US" dirty="0" smtClean="0">
+                <a:latin typeface="Arial Black" charset="0"/>
+                <a:ea typeface="Arial Black" charset="0"/>
+                <a:cs typeface="Arial Black" charset="0"/>
+                <a:hlinkClick r:id="rId2"/>
+              </a:rPr>
+              <a:t>youtube</a:t>
+            </a:r>
+            <a:endParaRPr lang="en-US" dirty="0" smtClean="0">
+              <a:latin typeface="Arial Black" charset="0"/>
+              <a:ea typeface="Arial Black" charset="0"/>
+              <a:cs typeface="Arial Black" charset="0"/>
+            </a:endParaRPr>
+          </a:p>
+          <a:p>
+            <a:endParaRPr lang="en-US" dirty="0">
+              <a:latin typeface="Arial Black" charset="0"/>
+              <a:ea typeface="Arial Black" charset="0"/>
+              <a:cs typeface="Arial Black" charset="0"/>
+            </a:endParaRPr>
+          </a:p>
+          <a:p>
+            <a:r>
+              <a:rPr lang="en-US" dirty="0" smtClean="0">
+                <a:latin typeface="Arial Black" charset="0"/>
+                <a:ea typeface="Arial Black" charset="0"/>
+                <a:cs typeface="Arial Black" charset="0"/>
+                <a:hlinkClick r:id="rId3"/>
+              </a:rPr>
+              <a:t>github</a:t>
+            </a:r>
+            <a:endParaRPr lang="en-US" dirty="0" smtClean="0">
+              <a:latin typeface="Arial Black" charset="0"/>
+              <a:ea typeface="Arial Black" charset="0"/>
+              <a:cs typeface="Arial Black" charset="0"/>
+            </a:endParaRPr>
+          </a:p>
+          <a:p>
+            <a:endParaRPr lang="en-US" dirty="0">
+              <a:latin typeface="Arial Black" charset="0"/>
+              <a:ea typeface="Arial Black" charset="0"/>
+              <a:cs typeface="Arial Black" charset="0"/>
+            </a:endParaRPr>
+          </a:p>
+          <a:p>
+            <a:r>
+              <a:rPr lang="en-US" dirty="0" smtClean="0">
+                <a:latin typeface="Arial Black" charset="0"/>
+                <a:ea typeface="Arial Black" charset="0"/>
+                <a:cs typeface="Arial Black" charset="0"/>
+                <a:hlinkClick r:id="rId4" invalidUrl="https://github.com/SungchulLee/financial_math/blob/master/%E1%84%8F%E1%85%A6%E1%86%AB%E1%84%83%E1%85%B3%E1%86%AF%E1%84%89%E1%85%B3%E1%84%90%E1%85%B5%E1%86%A8 %E1%84%8E%E1%85%A1%E1%84%90%E1%85%B3.pptx"/>
+              </a:rPr>
+              <a:t>ppt</a:t>
+            </a:r>
+            <a:endParaRPr lang="en-US" dirty="0">
+              <a:latin typeface="Arial Black" charset="0"/>
+              <a:ea typeface="Arial Black" charset="0"/>
+              <a:cs typeface="Arial Black" charset="0"/>
+            </a:endParaRPr>
+          </a:p>
+          <a:p>
+            <a:endParaRPr lang="en-US" dirty="0">
+              <a:latin typeface="Arial Black" charset="0"/>
+              <a:ea typeface="Arial Black" charset="0"/>
+              <a:cs typeface="Arial Black" charset="0"/>
+            </a:endParaRPr>
+          </a:p>
+          <a:p>
+            <a:endParaRPr lang="en-US" dirty="0"/>
+          </a:p>
+        </p:txBody>
+      </p:sp>
+    </p:spTree>
+    <p:extLst>
+      <p:ext uri="{BB962C8B-B14F-4D97-AF65-F5344CB8AC3E}">
+        <p14:creationId xmlns:p14="http://schemas.microsoft.com/office/powerpoint/2010/main" val="1806191535"/>
+      </p:ext>
+    </p:extLst>
+  </p:cSld>
+  <p:clrMapOvr>
+    <a:masterClrMapping/>
+  </p:clrMapOvr>
+</p:sld>
+</file>
+
 <file path=ppt/theme/theme1.xml><?xml version="1.0" encoding="utf-8"?>
 <a:theme xmlns:a="http://schemas.openxmlformats.org/drawingml/2006/main" name="Office Theme">
   <a:themeElements>
